--- a/растровый редактор_презентация.pptx
+++ b/растровый редактор_презентация.pptx
@@ -292,7 +292,8 @@
           <a:p>
             <a:fld id="{99BFA316-2C36-496C-AE4B-51B81D8B4920}" type="datetimeFigureOut">
               <a:rPr lang="ru-RU" smtClean="0"/>
-              <a:t>25.05.2017</a:t>
+              <a:pPr/>
+              <a:t>29.05.2017</a:t>
             </a:fld>
             <a:endParaRPr lang="ru-RU"/>
           </a:p>
@@ -334,6 +335,7 @@
           <a:p>
             <a:fld id="{7CB22A43-A320-4805-A573-B313F308EC05}" type="slidenum">
               <a:rPr lang="ru-RU" smtClean="0"/>
+              <a:pPr/>
               <a:t>‹#›</a:t>
             </a:fld>
             <a:endParaRPr lang="ru-RU"/>
@@ -457,7 +459,8 @@
           <a:p>
             <a:fld id="{99BFA316-2C36-496C-AE4B-51B81D8B4920}" type="datetimeFigureOut">
               <a:rPr lang="ru-RU" smtClean="0"/>
-              <a:t>25.05.2017</a:t>
+              <a:pPr/>
+              <a:t>29.05.2017</a:t>
             </a:fld>
             <a:endParaRPr lang="ru-RU"/>
           </a:p>
@@ -499,6 +502,7 @@
           <a:p>
             <a:fld id="{7CB22A43-A320-4805-A573-B313F308EC05}" type="slidenum">
               <a:rPr lang="ru-RU" smtClean="0"/>
+              <a:pPr/>
               <a:t>‹#›</a:t>
             </a:fld>
             <a:endParaRPr lang="ru-RU"/>
@@ -632,7 +636,8 @@
           <a:p>
             <a:fld id="{99BFA316-2C36-496C-AE4B-51B81D8B4920}" type="datetimeFigureOut">
               <a:rPr lang="ru-RU" smtClean="0"/>
-              <a:t>25.05.2017</a:t>
+              <a:pPr/>
+              <a:t>29.05.2017</a:t>
             </a:fld>
             <a:endParaRPr lang="ru-RU"/>
           </a:p>
@@ -674,6 +679,7 @@
           <a:p>
             <a:fld id="{7CB22A43-A320-4805-A573-B313F308EC05}" type="slidenum">
               <a:rPr lang="ru-RU" smtClean="0"/>
+              <a:pPr/>
               <a:t>‹#›</a:t>
             </a:fld>
             <a:endParaRPr lang="ru-RU"/>
@@ -797,7 +803,8 @@
           <a:p>
             <a:fld id="{99BFA316-2C36-496C-AE4B-51B81D8B4920}" type="datetimeFigureOut">
               <a:rPr lang="ru-RU" smtClean="0"/>
-              <a:t>25.05.2017</a:t>
+              <a:pPr/>
+              <a:t>29.05.2017</a:t>
             </a:fld>
             <a:endParaRPr lang="ru-RU"/>
           </a:p>
@@ -839,6 +846,7 @@
           <a:p>
             <a:fld id="{7CB22A43-A320-4805-A573-B313F308EC05}" type="slidenum">
               <a:rPr lang="ru-RU" smtClean="0"/>
+              <a:pPr/>
               <a:t>‹#›</a:t>
             </a:fld>
             <a:endParaRPr lang="ru-RU"/>
@@ -1038,7 +1046,8 @@
           <a:p>
             <a:fld id="{99BFA316-2C36-496C-AE4B-51B81D8B4920}" type="datetimeFigureOut">
               <a:rPr lang="ru-RU" smtClean="0"/>
-              <a:t>25.05.2017</a:t>
+              <a:pPr/>
+              <a:t>29.05.2017</a:t>
             </a:fld>
             <a:endParaRPr lang="ru-RU"/>
           </a:p>
@@ -1080,6 +1089,7 @@
           <a:p>
             <a:fld id="{7CB22A43-A320-4805-A573-B313F308EC05}" type="slidenum">
               <a:rPr lang="ru-RU" smtClean="0"/>
+              <a:pPr/>
               <a:t>‹#›</a:t>
             </a:fld>
             <a:endParaRPr lang="ru-RU"/>
@@ -1321,7 +1331,8 @@
           <a:p>
             <a:fld id="{99BFA316-2C36-496C-AE4B-51B81D8B4920}" type="datetimeFigureOut">
               <a:rPr lang="ru-RU" smtClean="0"/>
-              <a:t>25.05.2017</a:t>
+              <a:pPr/>
+              <a:t>29.05.2017</a:t>
             </a:fld>
             <a:endParaRPr lang="ru-RU"/>
           </a:p>
@@ -1363,6 +1374,7 @@
           <a:p>
             <a:fld id="{7CB22A43-A320-4805-A573-B313F308EC05}" type="slidenum">
               <a:rPr lang="ru-RU" smtClean="0"/>
+              <a:pPr/>
               <a:t>‹#›</a:t>
             </a:fld>
             <a:endParaRPr lang="ru-RU"/>
@@ -1738,7 +1750,8 @@
           <a:p>
             <a:fld id="{99BFA316-2C36-496C-AE4B-51B81D8B4920}" type="datetimeFigureOut">
               <a:rPr lang="ru-RU" smtClean="0"/>
-              <a:t>25.05.2017</a:t>
+              <a:pPr/>
+              <a:t>29.05.2017</a:t>
             </a:fld>
             <a:endParaRPr lang="ru-RU"/>
           </a:p>
@@ -1780,6 +1793,7 @@
           <a:p>
             <a:fld id="{7CB22A43-A320-4805-A573-B313F308EC05}" type="slidenum">
               <a:rPr lang="ru-RU" smtClean="0"/>
+              <a:pPr/>
               <a:t>‹#›</a:t>
             </a:fld>
             <a:endParaRPr lang="ru-RU"/>
@@ -1851,7 +1865,8 @@
           <a:p>
             <a:fld id="{99BFA316-2C36-496C-AE4B-51B81D8B4920}" type="datetimeFigureOut">
               <a:rPr lang="ru-RU" smtClean="0"/>
-              <a:t>25.05.2017</a:t>
+              <a:pPr/>
+              <a:t>29.05.2017</a:t>
             </a:fld>
             <a:endParaRPr lang="ru-RU"/>
           </a:p>
@@ -1893,6 +1908,7 @@
           <a:p>
             <a:fld id="{7CB22A43-A320-4805-A573-B313F308EC05}" type="slidenum">
               <a:rPr lang="ru-RU" smtClean="0"/>
+              <a:pPr/>
               <a:t>‹#›</a:t>
             </a:fld>
             <a:endParaRPr lang="ru-RU"/>
@@ -1941,7 +1957,8 @@
           <a:p>
             <a:fld id="{99BFA316-2C36-496C-AE4B-51B81D8B4920}" type="datetimeFigureOut">
               <a:rPr lang="ru-RU" smtClean="0"/>
-              <a:t>25.05.2017</a:t>
+              <a:pPr/>
+              <a:t>29.05.2017</a:t>
             </a:fld>
             <a:endParaRPr lang="ru-RU"/>
           </a:p>
@@ -1983,6 +2000,7 @@
           <a:p>
             <a:fld id="{7CB22A43-A320-4805-A573-B313F308EC05}" type="slidenum">
               <a:rPr lang="ru-RU" smtClean="0"/>
+              <a:pPr/>
               <a:t>‹#›</a:t>
             </a:fld>
             <a:endParaRPr lang="ru-RU"/>
@@ -2213,7 +2231,8 @@
           <a:p>
             <a:fld id="{99BFA316-2C36-496C-AE4B-51B81D8B4920}" type="datetimeFigureOut">
               <a:rPr lang="ru-RU" smtClean="0"/>
-              <a:t>25.05.2017</a:t>
+              <a:pPr/>
+              <a:t>29.05.2017</a:t>
             </a:fld>
             <a:endParaRPr lang="ru-RU"/>
           </a:p>
@@ -2255,6 +2274,7 @@
           <a:p>
             <a:fld id="{7CB22A43-A320-4805-A573-B313F308EC05}" type="slidenum">
               <a:rPr lang="ru-RU" smtClean="0"/>
+              <a:pPr/>
               <a:t>‹#›</a:t>
             </a:fld>
             <a:endParaRPr lang="ru-RU"/>
@@ -2461,7 +2481,8 @@
           <a:p>
             <a:fld id="{99BFA316-2C36-496C-AE4B-51B81D8B4920}" type="datetimeFigureOut">
               <a:rPr lang="ru-RU" smtClean="0"/>
-              <a:t>25.05.2017</a:t>
+              <a:pPr/>
+              <a:t>29.05.2017</a:t>
             </a:fld>
             <a:endParaRPr lang="ru-RU"/>
           </a:p>
@@ -2503,6 +2524,7 @@
           <a:p>
             <a:fld id="{7CB22A43-A320-4805-A573-B313F308EC05}" type="slidenum">
               <a:rPr lang="ru-RU" smtClean="0"/>
+              <a:pPr/>
               <a:t>‹#›</a:t>
             </a:fld>
             <a:endParaRPr lang="ru-RU"/>
@@ -2678,7 +2700,8 @@
           <a:p>
             <a:fld id="{99BFA316-2C36-496C-AE4B-51B81D8B4920}" type="datetimeFigureOut">
               <a:rPr lang="ru-RU" smtClean="0"/>
-              <a:t>25.05.2017</a:t>
+              <a:pPr/>
+              <a:t>29.05.2017</a:t>
             </a:fld>
             <a:endParaRPr lang="ru-RU"/>
           </a:p>
@@ -2756,6 +2779,7 @@
           <a:p>
             <a:fld id="{7CB22A43-A320-4805-A573-B313F308EC05}" type="slidenum">
               <a:rPr lang="ru-RU" smtClean="0"/>
+              <a:pPr/>
               <a:t>‹#›</a:t>
             </a:fld>
             <a:endParaRPr lang="ru-RU"/>
@@ -3526,7 +3550,15 @@
                   <a:schemeClr val="bg1"/>
                 </a:solidFill>
               </a:rPr>
-              <a:t>Его достоинства и недостатки.</a:t>
+              <a:t>Достоинства </a:t>
+            </a:r>
+            <a:r>
+              <a:rPr lang="ru-RU" sz="4000" b="1" dirty="0" smtClean="0">
+                <a:solidFill>
+                  <a:schemeClr val="bg1"/>
+                </a:solidFill>
+              </a:rPr>
+              <a:t>и недостатки.</a:t>
             </a:r>
             <a:endParaRPr lang="ru-RU" sz="4000" b="1" dirty="0">
               <a:solidFill>
@@ -3544,8 +3576,8 @@
         </p:nvSpPr>
         <p:spPr>
           <a:xfrm>
-            <a:off x="428596" y="1428736"/>
-            <a:ext cx="3929090" cy="1631216"/>
+            <a:off x="428596" y="1000108"/>
+            <a:ext cx="3929090" cy="2739211"/>
           </a:xfrm>
           <a:prstGeom prst="rect">
             <a:avLst/>
@@ -3578,14 +3610,41 @@
                   <a:schemeClr val="bg1"/>
                 </a:solidFill>
               </a:rPr>
-              <a:t> Обеспечивает высокую точность передачи градаций цветов и полутонов. </a:t>
-            </a:r>
-            <a:endParaRPr lang="ru-RU" sz="2400" dirty="0">
+              <a:t> </a:t>
+            </a:r>
+            <a:r>
+              <a:rPr lang="ru-RU" sz="2000" dirty="0" smtClean="0">
+                <a:solidFill>
+                  <a:schemeClr val="bg1"/>
+                </a:solidFill>
+              </a:rPr>
+              <a:t>Обеспечивает высокую точность передачи градаций цветов и полутонов. </a:t>
+            </a:r>
+            <a:endParaRPr lang="en-US" sz="2000" dirty="0" smtClean="0">
               <a:solidFill>
                 <a:schemeClr val="bg1"/>
               </a:solidFill>
             </a:endParaRPr>
           </a:p>
+          <a:p>
+            <a:pPr>
+              <a:buFont typeface="Arial" pitchFamily="34" charset="0"/>
+              <a:buChar char="•"/>
+            </a:pPr>
+            <a:r>
+              <a:rPr lang="ru-RU" sz="2000" dirty="0" smtClean="0">
+                <a:solidFill>
+                  <a:schemeClr val="bg1"/>
+                </a:solidFill>
+              </a:rPr>
+              <a:t>При высокой разрешающей способности монитора изображение может иметь фотографическое качество.</a:t>
+            </a:r>
+            <a:endParaRPr lang="ru-RU" sz="2000" dirty="0">
+              <a:solidFill>
+                <a:schemeClr val="bg1"/>
+              </a:solidFill>
+            </a:endParaRPr>
+          </a:p>
         </p:txBody>
       </p:sp>
       <p:sp>
@@ -3596,8 +3655,8 @@
         </p:nvSpPr>
         <p:spPr>
           <a:xfrm>
-            <a:off x="4929190" y="1428736"/>
-            <a:ext cx="4000528" cy="3477875"/>
+            <a:off x="4929190" y="1000108"/>
+            <a:ext cx="4000528" cy="2677656"/>
           </a:xfrm>
           <a:prstGeom prst="rect">
             <a:avLst/>
@@ -3625,7 +3684,7 @@
               <a:buChar char="•"/>
             </a:pPr>
             <a:r>
-              <a:rPr lang="ru-RU" sz="2400" dirty="0" smtClean="0">
+              <a:rPr lang="ru-RU" sz="2000" dirty="0" smtClean="0">
                 <a:solidFill>
                   <a:schemeClr val="bg1"/>
                 </a:solidFill>
@@ -3639,7 +3698,7 @@
               <a:buChar char="•"/>
             </a:pPr>
             <a:r>
-              <a:rPr lang="ru-RU" sz="2400" dirty="0" smtClean="0">
+              <a:rPr lang="ru-RU" sz="2000" dirty="0" smtClean="0">
                 <a:solidFill>
                   <a:schemeClr val="bg1"/>
                 </a:solidFill>
@@ -3647,7 +3706,7 @@
               <a:t>Растровые изображения невозможно увеличивать для уточнения деталей, происходит </a:t>
             </a:r>
             <a:r>
-              <a:rPr lang="ru-RU" sz="2400" dirty="0" err="1" smtClean="0">
+              <a:rPr lang="ru-RU" sz="2000" dirty="0" err="1" smtClean="0">
                 <a:solidFill>
                   <a:schemeClr val="bg1"/>
                 </a:solidFill>
@@ -3655,14 +3714,14 @@
               <a:t>пикселизация</a:t>
             </a:r>
             <a:r>
-              <a:rPr lang="ru-RU" sz="2400" dirty="0" smtClean="0">
+              <a:rPr lang="ru-RU" sz="2000" dirty="0" smtClean="0">
                 <a:solidFill>
                   <a:schemeClr val="bg1"/>
                 </a:solidFill>
               </a:rPr>
               <a:t>.</a:t>
             </a:r>
-            <a:endParaRPr lang="ru-RU" sz="2400" dirty="0">
+            <a:endParaRPr lang="ru-RU" sz="2000" dirty="0">
               <a:solidFill>
                 <a:schemeClr val="bg1"/>
               </a:solidFill>
@@ -3687,8 +3746,34 @@
         </p:blipFill>
         <p:spPr bwMode="auto">
           <a:xfrm>
-            <a:off x="785786" y="3429000"/>
+            <a:off x="6643702" y="3857628"/>
             <a:ext cx="2357454" cy="2786082"/>
+          </a:xfrm>
+          <a:prstGeom prst="rect">
+            <a:avLst/>
+          </a:prstGeom>
+          <a:noFill/>
+        </p:spPr>
+      </p:pic>
+      <p:pic>
+        <p:nvPicPr>
+          <p:cNvPr id="3074" name="Picture 2" descr="&amp;Kcy;&amp;acy;&amp;rcy;&amp;tcy;&amp;icy;&amp;ncy;&amp;kcy;&amp;icy; &amp;pcy;&amp;ocy; &amp;zcy;&amp;acy;&amp;pcy;&amp;rcy;&amp;ocy;&amp;scy;&amp;ucy; &amp;rcy;&amp;acy;&amp;scy;&amp;tcy;&amp;rcy;&amp;ocy;&amp;vcy;&amp;ocy;&amp;iecy; &amp;icy;&amp;zcy;&amp;ocy;&amp;bcy;&amp;rcy;&amp;acy;&amp;zhcy;&amp;iecy;&amp;ncy;&amp;icy;&amp;iecy;"/>
+          <p:cNvPicPr>
+            <a:picLocks noChangeAspect="1" noChangeArrowheads="1"/>
+          </p:cNvPicPr>
+          <p:nvPr/>
+        </p:nvPicPr>
+        <p:blipFill>
+          <a:blip r:embed="rId3"/>
+          <a:srcRect/>
+          <a:stretch>
+            <a:fillRect/>
+          </a:stretch>
+        </p:blipFill>
+        <p:spPr bwMode="auto">
+          <a:xfrm>
+            <a:off x="642910" y="3857628"/>
+            <a:ext cx="3586431" cy="2857487"/>
           </a:xfrm>
           <a:prstGeom prst="rect">
             <a:avLst/>
